--- a/docs/preliminary results.pptx
+++ b/docs/preliminary results.pptx
@@ -10,6 +10,8 @@
     <p:sldId id="258" r:id="rId4"/>
     <p:sldId id="259" r:id="rId5"/>
     <p:sldId id="260" r:id="rId6"/>
+    <p:sldId id="261" r:id="rId7"/>
+    <p:sldId id="262" r:id="rId8"/>
   </p:sldIdLst>
   <p:sldSz cx="12192000" cy="6858000"/>
   <p:notesSz cx="6858000" cy="9144000"/>
@@ -108,6 +110,11 @@
       </a:defRPr>
     </a:lvl9pPr>
   </p:defaultTextStyle>
+  <p:extLst>
+    <p:ext uri="{EFAFB233-063F-42B5-8137-9DF3F51BA10A}">
+      <p15:sldGuideLst xmlns:p15="http://schemas.microsoft.com/office/powerpoint/2012/main"/>
+    </p:ext>
+  </p:extLst>
 </p:presentation>
 </file>
 
@@ -260,7 +267,7 @@
           <a:p>
             <a:fld id="{B9843D37-1BD9-4BE8-985B-81D901006B4B}" type="datetimeFigureOut">
               <a:rPr lang="en-US" smtClean="0"/>
-              <a:t>11/12/2022</a:t>
+              <a:t>7/20/2023</a:t>
             </a:fld>
             <a:endParaRPr lang="en-US"/>
           </a:p>
@@ -460,7 +467,7 @@
           <a:p>
             <a:fld id="{B9843D37-1BD9-4BE8-985B-81D901006B4B}" type="datetimeFigureOut">
               <a:rPr lang="en-US" smtClean="0"/>
-              <a:t>11/12/2022</a:t>
+              <a:t>7/20/2023</a:t>
             </a:fld>
             <a:endParaRPr lang="en-US"/>
           </a:p>
@@ -670,7 +677,7 @@
           <a:p>
             <a:fld id="{B9843D37-1BD9-4BE8-985B-81D901006B4B}" type="datetimeFigureOut">
               <a:rPr lang="en-US" smtClean="0"/>
-              <a:t>11/12/2022</a:t>
+              <a:t>7/20/2023</a:t>
             </a:fld>
             <a:endParaRPr lang="en-US"/>
           </a:p>
@@ -870,7 +877,7 @@
           <a:p>
             <a:fld id="{B9843D37-1BD9-4BE8-985B-81D901006B4B}" type="datetimeFigureOut">
               <a:rPr lang="en-US" smtClean="0"/>
-              <a:t>11/12/2022</a:t>
+              <a:t>7/20/2023</a:t>
             </a:fld>
             <a:endParaRPr lang="en-US"/>
           </a:p>
@@ -1146,7 +1153,7 @@
           <a:p>
             <a:fld id="{B9843D37-1BD9-4BE8-985B-81D901006B4B}" type="datetimeFigureOut">
               <a:rPr lang="en-US" smtClean="0"/>
-              <a:t>11/12/2022</a:t>
+              <a:t>7/20/2023</a:t>
             </a:fld>
             <a:endParaRPr lang="en-US"/>
           </a:p>
@@ -1414,7 +1421,7 @@
           <a:p>
             <a:fld id="{B9843D37-1BD9-4BE8-985B-81D901006B4B}" type="datetimeFigureOut">
               <a:rPr lang="en-US" smtClean="0"/>
-              <a:t>11/12/2022</a:t>
+              <a:t>7/20/2023</a:t>
             </a:fld>
             <a:endParaRPr lang="en-US"/>
           </a:p>
@@ -1829,7 +1836,7 @@
           <a:p>
             <a:fld id="{B9843D37-1BD9-4BE8-985B-81D901006B4B}" type="datetimeFigureOut">
               <a:rPr lang="en-US" smtClean="0"/>
-              <a:t>11/12/2022</a:t>
+              <a:t>7/20/2023</a:t>
             </a:fld>
             <a:endParaRPr lang="en-US"/>
           </a:p>
@@ -1971,7 +1978,7 @@
           <a:p>
             <a:fld id="{B9843D37-1BD9-4BE8-985B-81D901006B4B}" type="datetimeFigureOut">
               <a:rPr lang="en-US" smtClean="0"/>
-              <a:t>11/12/2022</a:t>
+              <a:t>7/20/2023</a:t>
             </a:fld>
             <a:endParaRPr lang="en-US"/>
           </a:p>
@@ -2084,7 +2091,7 @@
           <a:p>
             <a:fld id="{B9843D37-1BD9-4BE8-985B-81D901006B4B}" type="datetimeFigureOut">
               <a:rPr lang="en-US" smtClean="0"/>
-              <a:t>11/12/2022</a:t>
+              <a:t>7/20/2023</a:t>
             </a:fld>
             <a:endParaRPr lang="en-US"/>
           </a:p>
@@ -2397,7 +2404,7 @@
           <a:p>
             <a:fld id="{B9843D37-1BD9-4BE8-985B-81D901006B4B}" type="datetimeFigureOut">
               <a:rPr lang="en-US" smtClean="0"/>
-              <a:t>11/12/2022</a:t>
+              <a:t>7/20/2023</a:t>
             </a:fld>
             <a:endParaRPr lang="en-US"/>
           </a:p>
@@ -2686,7 +2693,7 @@
           <a:p>
             <a:fld id="{B9843D37-1BD9-4BE8-985B-81D901006B4B}" type="datetimeFigureOut">
               <a:rPr lang="en-US" smtClean="0"/>
-              <a:t>11/12/2022</a:t>
+              <a:t>7/20/2023</a:t>
             </a:fld>
             <a:endParaRPr lang="en-US"/>
           </a:p>
@@ -2929,7 +2936,7 @@
           <a:p>
             <a:fld id="{B9843D37-1BD9-4BE8-985B-81D901006B4B}" type="datetimeFigureOut">
               <a:rPr lang="en-US" smtClean="0"/>
-              <a:t>11/12/2022</a:t>
+              <a:t>7/20/2023</a:t>
             </a:fld>
             <a:endParaRPr lang="en-US"/>
           </a:p>
@@ -5827,6 +5834,520 @@
 </p:sld>
 </file>
 
+<file path=ppt/slides/slide6.xml><?xml version="1.0" encoding="utf-8"?>
+<p:sld xmlns:a="http://schemas.openxmlformats.org/drawingml/2006/main" xmlns:r="http://schemas.openxmlformats.org/officeDocument/2006/relationships" xmlns:p="http://schemas.openxmlformats.org/presentationml/2006/main">
+  <p:cSld>
+    <p:spTree>
+      <p:nvGrpSpPr>
+        <p:cNvPr id="1" name=""/>
+        <p:cNvGrpSpPr/>
+        <p:nvPr/>
+      </p:nvGrpSpPr>
+      <p:grpSpPr>
+        <a:xfrm>
+          <a:off x="0" y="0"/>
+          <a:ext cx="0" cy="0"/>
+          <a:chOff x="0" y="0"/>
+          <a:chExt cx="0" cy="0"/>
+        </a:xfrm>
+      </p:grpSpPr>
+      <p:sp>
+        <p:nvSpPr>
+          <p:cNvPr id="2" name="标题 1">
+            <a:extLst>
+              <a:ext uri="{FF2B5EF4-FFF2-40B4-BE49-F238E27FC236}">
+                <a16:creationId xmlns:a16="http://schemas.microsoft.com/office/drawing/2014/main" id="{1D7BC3E4-F8FA-546C-7BEA-B0C244DE4745}"/>
+              </a:ext>
+            </a:extLst>
+          </p:cNvPr>
+          <p:cNvSpPr>
+            <a:spLocks noGrp="1"/>
+          </p:cNvSpPr>
+          <p:nvPr>
+            <p:ph type="title"/>
+          </p:nvPr>
+        </p:nvSpPr>
+        <p:spPr/>
+        <p:txBody>
+          <a:bodyPr/>
+          <a:lstStyle/>
+          <a:p>
+            <a:r>
+              <a:rPr lang="zh-CN" altLang="en-US" dirty="0"/>
+              <a:t>最远探测距离</a:t>
+            </a:r>
+          </a:p>
+        </p:txBody>
+      </p:sp>
+      <p:pic>
+        <p:nvPicPr>
+          <p:cNvPr id="4" name="图片 3">
+            <a:extLst>
+              <a:ext uri="{FF2B5EF4-FFF2-40B4-BE49-F238E27FC236}">
+                <a16:creationId xmlns:a16="http://schemas.microsoft.com/office/drawing/2014/main" id="{6AC8BC1F-80AC-A9B2-A56E-67D7BC4AA327}"/>
+              </a:ext>
+            </a:extLst>
+          </p:cNvPr>
+          <p:cNvPicPr>
+            <a:picLocks noChangeAspect="1"/>
+          </p:cNvPicPr>
+          <p:nvPr/>
+        </p:nvPicPr>
+        <p:blipFill>
+          <a:blip r:embed="rId2">
+            <a:extLst>
+              <a:ext uri="{28A0092B-C50C-407E-A947-70E740481C1C}">
+                <a14:useLocalDpi xmlns:a14="http://schemas.microsoft.com/office/drawing/2010/main" val="0"/>
+              </a:ext>
+            </a:extLst>
+          </a:blip>
+          <a:stretch>
+            <a:fillRect/>
+          </a:stretch>
+        </p:blipFill>
+        <p:spPr>
+          <a:xfrm>
+            <a:off x="1062223" y="2121538"/>
+            <a:ext cx="4849932" cy="2685412"/>
+          </a:xfrm>
+          <a:prstGeom prst="rect">
+            <a:avLst/>
+          </a:prstGeom>
+        </p:spPr>
+      </p:pic>
+      <p:pic>
+        <p:nvPicPr>
+          <p:cNvPr id="6" name="图片 5">
+            <a:extLst>
+              <a:ext uri="{FF2B5EF4-FFF2-40B4-BE49-F238E27FC236}">
+                <a16:creationId xmlns:a16="http://schemas.microsoft.com/office/drawing/2014/main" id="{92E2AB86-B560-DDE9-EE82-7C43425A4898}"/>
+              </a:ext>
+            </a:extLst>
+          </p:cNvPr>
+          <p:cNvPicPr>
+            <a:picLocks noChangeAspect="1"/>
+          </p:cNvPicPr>
+          <p:nvPr/>
+        </p:nvPicPr>
+        <p:blipFill>
+          <a:blip r:embed="rId3">
+            <a:extLst>
+              <a:ext uri="{28A0092B-C50C-407E-A947-70E740481C1C}">
+                <a14:useLocalDpi xmlns:a14="http://schemas.microsoft.com/office/drawing/2010/main" val="0"/>
+              </a:ext>
+            </a:extLst>
+          </a:blip>
+          <a:stretch>
+            <a:fillRect/>
+          </a:stretch>
+        </p:blipFill>
+        <p:spPr>
+          <a:xfrm>
+            <a:off x="6478773" y="2121538"/>
+            <a:ext cx="4200153" cy="2514605"/>
+          </a:xfrm>
+          <a:prstGeom prst="rect">
+            <a:avLst/>
+          </a:prstGeom>
+        </p:spPr>
+      </p:pic>
+    </p:spTree>
+    <p:extLst>
+      <p:ext uri="{BB962C8B-B14F-4D97-AF65-F5344CB8AC3E}">
+        <p14:creationId xmlns:p14="http://schemas.microsoft.com/office/powerpoint/2010/main" val="1460619064"/>
+      </p:ext>
+    </p:extLst>
+  </p:cSld>
+  <p:clrMapOvr>
+    <a:masterClrMapping/>
+  </p:clrMapOvr>
+</p:sld>
+</file>
+
+<file path=ppt/slides/slide7.xml><?xml version="1.0" encoding="utf-8"?>
+<p:sld xmlns:a="http://schemas.openxmlformats.org/drawingml/2006/main" xmlns:r="http://schemas.openxmlformats.org/officeDocument/2006/relationships" xmlns:p="http://schemas.openxmlformats.org/presentationml/2006/main">
+  <p:cSld>
+    <p:spTree>
+      <p:nvGrpSpPr>
+        <p:cNvPr id="1" name=""/>
+        <p:cNvGrpSpPr/>
+        <p:nvPr/>
+      </p:nvGrpSpPr>
+      <p:grpSpPr>
+        <a:xfrm>
+          <a:off x="0" y="0"/>
+          <a:ext cx="0" cy="0"/>
+          <a:chOff x="0" y="0"/>
+          <a:chExt cx="0" cy="0"/>
+        </a:xfrm>
+      </p:grpSpPr>
+      <p:sp>
+        <p:nvSpPr>
+          <p:cNvPr id="2" name="标题 1">
+            <a:extLst>
+              <a:ext uri="{FF2B5EF4-FFF2-40B4-BE49-F238E27FC236}">
+                <a16:creationId xmlns:a16="http://schemas.microsoft.com/office/drawing/2014/main" id="{A685EC5E-A41F-3BB0-3A5D-D92A57D4E617}"/>
+              </a:ext>
+            </a:extLst>
+          </p:cNvPr>
+          <p:cNvSpPr>
+            <a:spLocks noGrp="1"/>
+          </p:cNvSpPr>
+          <p:nvPr>
+            <p:ph type="title"/>
+          </p:nvPr>
+        </p:nvSpPr>
+        <p:spPr/>
+        <p:txBody>
+          <a:bodyPr/>
+          <a:lstStyle/>
+          <a:p>
+            <a:r>
+              <a:rPr lang="zh-CN" altLang="en-US" dirty="0"/>
+              <a:t>倾斜激光束前后结果对比</a:t>
+            </a:r>
+          </a:p>
+        </p:txBody>
+      </p:sp>
+      <p:sp>
+        <p:nvSpPr>
+          <p:cNvPr id="3" name="文本框 2">
+            <a:extLst>
+              <a:ext uri="{FF2B5EF4-FFF2-40B4-BE49-F238E27FC236}">
+                <a16:creationId xmlns:a16="http://schemas.microsoft.com/office/drawing/2014/main" id="{75E95C94-99BD-E6A5-6EEE-B612B02EF230}"/>
+              </a:ext>
+            </a:extLst>
+          </p:cNvPr>
+          <p:cNvSpPr txBox="1"/>
+          <p:nvPr/>
+        </p:nvSpPr>
+        <p:spPr>
+          <a:xfrm>
+            <a:off x="293404" y="2318086"/>
+            <a:ext cx="2877711" cy="369332"/>
+          </a:xfrm>
+          <a:prstGeom prst="rect">
+            <a:avLst/>
+          </a:prstGeom>
+          <a:noFill/>
+        </p:spPr>
+        <p:txBody>
+          <a:bodyPr wrap="none" rtlCol="0">
+            <a:spAutoFit/>
+          </a:bodyPr>
+          <a:lstStyle/>
+          <a:p>
+            <a:r>
+              <a:rPr lang="en-US" altLang="zh-CN" dirty="0"/>
+              <a:t>2023-07-15</a:t>
+            </a:r>
+            <a:r>
+              <a:rPr lang="zh-CN" altLang="en-US" dirty="0"/>
+              <a:t>前一周（倾斜）</a:t>
+            </a:r>
+          </a:p>
+        </p:txBody>
+      </p:sp>
+      <p:sp>
+        <p:nvSpPr>
+          <p:cNvPr id="4" name="文本框 3">
+            <a:extLst>
+              <a:ext uri="{FF2B5EF4-FFF2-40B4-BE49-F238E27FC236}">
+                <a16:creationId xmlns:a16="http://schemas.microsoft.com/office/drawing/2014/main" id="{A36A122B-CBFA-85FE-6A42-DD32837E9AAD}"/>
+              </a:ext>
+            </a:extLst>
+          </p:cNvPr>
+          <p:cNvSpPr txBox="1"/>
+          <p:nvPr/>
+        </p:nvSpPr>
+        <p:spPr>
+          <a:xfrm>
+            <a:off x="1233052" y="4603871"/>
+            <a:ext cx="1723549" cy="369332"/>
+          </a:xfrm>
+          <a:prstGeom prst="rect">
+            <a:avLst/>
+          </a:prstGeom>
+          <a:noFill/>
+        </p:spPr>
+        <p:txBody>
+          <a:bodyPr wrap="none" rtlCol="0">
+            <a:spAutoFit/>
+          </a:bodyPr>
+          <a:lstStyle/>
+          <a:p>
+            <a:r>
+              <a:rPr lang="en-US" altLang="zh-CN" dirty="0"/>
+              <a:t>2023-07-16</a:t>
+            </a:r>
+            <a:r>
+              <a:rPr lang="zh-CN" altLang="en-US" dirty="0"/>
+              <a:t>正常</a:t>
+            </a:r>
+          </a:p>
+        </p:txBody>
+      </p:sp>
+      <p:pic>
+        <p:nvPicPr>
+          <p:cNvPr id="8" name="图片 7">
+            <a:extLst>
+              <a:ext uri="{FF2B5EF4-FFF2-40B4-BE49-F238E27FC236}">
+                <a16:creationId xmlns:a16="http://schemas.microsoft.com/office/drawing/2014/main" id="{BA8B6A26-94FF-206D-FDE9-62E7C6064048}"/>
+              </a:ext>
+            </a:extLst>
+          </p:cNvPr>
+          <p:cNvPicPr>
+            <a:picLocks noChangeAspect="1"/>
+          </p:cNvPicPr>
+          <p:nvPr/>
+        </p:nvPicPr>
+        <p:blipFill>
+          <a:blip r:embed="rId2"/>
+          <a:stretch>
+            <a:fillRect/>
+          </a:stretch>
+        </p:blipFill>
+        <p:spPr>
+          <a:xfrm>
+            <a:off x="2956601" y="1532884"/>
+            <a:ext cx="3600000" cy="1973684"/>
+          </a:xfrm>
+          <a:prstGeom prst="rect">
+            <a:avLst/>
+          </a:prstGeom>
+        </p:spPr>
+      </p:pic>
+      <p:pic>
+        <p:nvPicPr>
+          <p:cNvPr id="10" name="图片 9">
+            <a:extLst>
+              <a:ext uri="{FF2B5EF4-FFF2-40B4-BE49-F238E27FC236}">
+                <a16:creationId xmlns:a16="http://schemas.microsoft.com/office/drawing/2014/main" id="{3865B583-0EA2-37BE-125F-10E0E00574D8}"/>
+              </a:ext>
+            </a:extLst>
+          </p:cNvPr>
+          <p:cNvPicPr>
+            <a:picLocks noChangeAspect="1"/>
+          </p:cNvPicPr>
+          <p:nvPr/>
+        </p:nvPicPr>
+        <p:blipFill>
+          <a:blip r:embed="rId3"/>
+          <a:stretch>
+            <a:fillRect/>
+          </a:stretch>
+        </p:blipFill>
+        <p:spPr>
+          <a:xfrm>
+            <a:off x="2953201" y="4231755"/>
+            <a:ext cx="3600000" cy="1990308"/>
+          </a:xfrm>
+          <a:prstGeom prst="rect">
+            <a:avLst/>
+          </a:prstGeom>
+        </p:spPr>
+      </p:pic>
+      <p:grpSp>
+        <p:nvGrpSpPr>
+          <p:cNvPr id="17" name="组合 16">
+            <a:extLst>
+              <a:ext uri="{FF2B5EF4-FFF2-40B4-BE49-F238E27FC236}">
+                <a16:creationId xmlns:a16="http://schemas.microsoft.com/office/drawing/2014/main" id="{EB9F1F90-061E-6C73-D7D4-F9C05D1D8968}"/>
+              </a:ext>
+            </a:extLst>
+          </p:cNvPr>
+          <p:cNvGrpSpPr/>
+          <p:nvPr/>
+        </p:nvGrpSpPr>
+        <p:grpSpPr>
+          <a:xfrm>
+            <a:off x="6632800" y="1515029"/>
+            <a:ext cx="3600000" cy="2039999"/>
+            <a:chOff x="7289799" y="2392878"/>
+            <a:chExt cx="3600000" cy="2039999"/>
+          </a:xfrm>
+        </p:grpSpPr>
+        <p:pic>
+          <p:nvPicPr>
+            <p:cNvPr id="6" name="图片 5">
+              <a:extLst>
+                <a:ext uri="{FF2B5EF4-FFF2-40B4-BE49-F238E27FC236}">
+                  <a16:creationId xmlns:a16="http://schemas.microsoft.com/office/drawing/2014/main" id="{19C2C91F-5410-4E4A-8507-8BFAADDBB71B}"/>
+                </a:ext>
+              </a:extLst>
+            </p:cNvPr>
+            <p:cNvPicPr>
+              <a:picLocks noChangeAspect="1"/>
+            </p:cNvPicPr>
+            <p:nvPr/>
+          </p:nvPicPr>
+          <p:blipFill>
+            <a:blip r:embed="rId4"/>
+            <a:stretch>
+              <a:fillRect/>
+            </a:stretch>
+          </p:blipFill>
+          <p:spPr>
+            <a:xfrm>
+              <a:off x="7289799" y="2392878"/>
+              <a:ext cx="3600000" cy="2039999"/>
+            </a:xfrm>
+            <a:prstGeom prst="rect">
+              <a:avLst/>
+            </a:prstGeom>
+          </p:spPr>
+        </p:pic>
+        <p:cxnSp>
+          <p:nvCxnSpPr>
+            <p:cNvPr id="14" name="直接连接符 13">
+              <a:extLst>
+                <a:ext uri="{FF2B5EF4-FFF2-40B4-BE49-F238E27FC236}">
+                  <a16:creationId xmlns:a16="http://schemas.microsoft.com/office/drawing/2014/main" id="{EF9A52C0-1A68-82EB-DEC4-B2F232E25270}"/>
+                </a:ext>
+              </a:extLst>
+            </p:cNvPr>
+            <p:cNvCxnSpPr/>
+            <p:nvPr/>
+          </p:nvCxnSpPr>
+          <p:spPr>
+            <a:xfrm>
+              <a:off x="8356600" y="2762250"/>
+              <a:ext cx="0" cy="1365250"/>
+            </a:xfrm>
+            <a:prstGeom prst="line">
+              <a:avLst/>
+            </a:prstGeom>
+            <a:ln w="12700">
+              <a:solidFill>
+                <a:srgbClr val="C00000"/>
+              </a:solidFill>
+              <a:prstDash val="dash"/>
+            </a:ln>
+          </p:spPr>
+          <p:style>
+            <a:lnRef idx="1">
+              <a:schemeClr val="accent1"/>
+            </a:lnRef>
+            <a:fillRef idx="0">
+              <a:schemeClr val="accent1"/>
+            </a:fillRef>
+            <a:effectRef idx="0">
+              <a:schemeClr val="accent1"/>
+            </a:effectRef>
+            <a:fontRef idx="minor">
+              <a:schemeClr val="tx1"/>
+            </a:fontRef>
+          </p:style>
+        </p:cxnSp>
+      </p:grpSp>
+      <p:grpSp>
+        <p:nvGrpSpPr>
+          <p:cNvPr id="18" name="组合 17">
+            <a:extLst>
+              <a:ext uri="{FF2B5EF4-FFF2-40B4-BE49-F238E27FC236}">
+                <a16:creationId xmlns:a16="http://schemas.microsoft.com/office/drawing/2014/main" id="{6E77338A-93F0-F68A-B82D-21B03509C950}"/>
+              </a:ext>
+            </a:extLst>
+          </p:cNvPr>
+          <p:cNvGrpSpPr/>
+          <p:nvPr/>
+        </p:nvGrpSpPr>
+        <p:grpSpPr>
+          <a:xfrm>
+            <a:off x="6632800" y="4216242"/>
+            <a:ext cx="3600000" cy="2005821"/>
+            <a:chOff x="7289799" y="4322971"/>
+            <a:chExt cx="3600000" cy="2005821"/>
+          </a:xfrm>
+        </p:grpSpPr>
+        <p:pic>
+          <p:nvPicPr>
+            <p:cNvPr id="12" name="图片 11">
+              <a:extLst>
+                <a:ext uri="{FF2B5EF4-FFF2-40B4-BE49-F238E27FC236}">
+                  <a16:creationId xmlns:a16="http://schemas.microsoft.com/office/drawing/2014/main" id="{A52F70AA-132B-26B4-C64D-4EE6568D603E}"/>
+                </a:ext>
+              </a:extLst>
+            </p:cNvPr>
+            <p:cNvPicPr>
+              <a:picLocks noChangeAspect="1"/>
+            </p:cNvPicPr>
+            <p:nvPr/>
+          </p:nvPicPr>
+          <p:blipFill>
+            <a:blip r:embed="rId5"/>
+            <a:stretch>
+              <a:fillRect/>
+            </a:stretch>
+          </p:blipFill>
+          <p:spPr>
+            <a:xfrm>
+              <a:off x="7289799" y="4322971"/>
+              <a:ext cx="3600000" cy="2005821"/>
+            </a:xfrm>
+            <a:prstGeom prst="rect">
+              <a:avLst/>
+            </a:prstGeom>
+          </p:spPr>
+        </p:pic>
+        <p:cxnSp>
+          <p:nvCxnSpPr>
+            <p:cNvPr id="15" name="直接连接符 14">
+              <a:extLst>
+                <a:ext uri="{FF2B5EF4-FFF2-40B4-BE49-F238E27FC236}">
+                  <a16:creationId xmlns:a16="http://schemas.microsoft.com/office/drawing/2014/main" id="{4D75A6C4-B629-B76E-FD61-6842D5E75219}"/>
+                </a:ext>
+              </a:extLst>
+            </p:cNvPr>
+            <p:cNvCxnSpPr>
+              <a:cxnSpLocks/>
+            </p:cNvCxnSpPr>
+            <p:nvPr/>
+          </p:nvCxnSpPr>
+          <p:spPr>
+            <a:xfrm>
+              <a:off x="8432800" y="4712848"/>
+              <a:ext cx="0" cy="1275202"/>
+            </a:xfrm>
+            <a:prstGeom prst="line">
+              <a:avLst/>
+            </a:prstGeom>
+            <a:ln w="12700">
+              <a:solidFill>
+                <a:srgbClr val="C00000"/>
+              </a:solidFill>
+              <a:prstDash val="dash"/>
+            </a:ln>
+          </p:spPr>
+          <p:style>
+            <a:lnRef idx="1">
+              <a:schemeClr val="accent1"/>
+            </a:lnRef>
+            <a:fillRef idx="0">
+              <a:schemeClr val="accent1"/>
+            </a:fillRef>
+            <a:effectRef idx="0">
+              <a:schemeClr val="accent1"/>
+            </a:effectRef>
+            <a:fontRef idx="minor">
+              <a:schemeClr val="tx1"/>
+            </a:fontRef>
+          </p:style>
+        </p:cxnSp>
+      </p:grpSp>
+    </p:spTree>
+    <p:extLst>
+      <p:ext uri="{BB962C8B-B14F-4D97-AF65-F5344CB8AC3E}">
+        <p14:creationId xmlns:p14="http://schemas.microsoft.com/office/powerpoint/2010/main" val="3347474898"/>
+      </p:ext>
+    </p:extLst>
+  </p:cSld>
+  <p:clrMapOvr>
+    <a:masterClrMapping/>
+  </p:clrMapOvr>
+</p:sld>
+</file>
+
 <file path=ppt/theme/theme1.xml><?xml version="1.0" encoding="utf-8"?>
 <a:theme xmlns:a="http://schemas.openxmlformats.org/drawingml/2006/main" name="Office 主题​​">
   <a:themeElements>
